--- a/docs/diagrams/SimplifiedLogicComponentClassDiagram.pptx
+++ b/docs/diagrams/SimplifiedLogicComponentClassDiagram.pptx
@@ -4821,7 +4821,7 @@
         </p:nvGrpSpPr>
         <p:grpSpPr>
           <a:xfrm rot="5400000">
-            <a:off x="6088711" y="1962201"/>
+            <a:off x="6088711" y="1962202"/>
             <a:ext cx="254462" cy="555486"/>
             <a:chOff x="3949242" y="578739"/>
             <a:chExt cx="254462" cy="503902"/>
@@ -4877,7 +4877,7 @@
           </p:nvSpPr>
           <p:spPr>
             <a:xfrm rot="10800000" flipV="1">
-              <a:off x="3979474" y="617927"/>
+              <a:off x="3979474" y="583042"/>
               <a:ext cx="132157" cy="79956"/>
             </a:xfrm>
             <a:prstGeom prst="triangle">
@@ -4926,7 +4926,7 @@
         </p:nvGrpSpPr>
         <p:grpSpPr>
           <a:xfrm rot="5400000">
-            <a:off x="5538626" y="3538807"/>
+            <a:off x="5293939" y="2979849"/>
             <a:ext cx="555486" cy="254462"/>
             <a:chOff x="3703315" y="644022"/>
             <a:chExt cx="555486" cy="230832"/>
